--- a/veille techno portfolio.pptx
+++ b/veille techno portfolio.pptx
@@ -264,7 +264,7 @@
           <a:p>
             <a:fld id="{578037B1-EAA9-4C07-85F8-8143634F6E0F}" type="datetimeFigureOut">
               <a:rPr lang="fr-FR" smtClean="0"/>
-              <a:t>03/04/2024</a:t>
+              <a:t>10/04/2024</a:t>
             </a:fld>
             <a:endParaRPr lang="fr-FR"/>
           </a:p>
@@ -462,7 +462,7 @@
           <a:p>
             <a:fld id="{578037B1-EAA9-4C07-85F8-8143634F6E0F}" type="datetimeFigureOut">
               <a:rPr lang="fr-FR" smtClean="0"/>
-              <a:t>03/04/2024</a:t>
+              <a:t>10/04/2024</a:t>
             </a:fld>
             <a:endParaRPr lang="fr-FR"/>
           </a:p>
@@ -670,7 +670,7 @@
           <a:p>
             <a:fld id="{578037B1-EAA9-4C07-85F8-8143634F6E0F}" type="datetimeFigureOut">
               <a:rPr lang="fr-FR" smtClean="0"/>
-              <a:t>03/04/2024</a:t>
+              <a:t>10/04/2024</a:t>
             </a:fld>
             <a:endParaRPr lang="fr-FR"/>
           </a:p>
@@ -868,7 +868,7 @@
           <a:p>
             <a:fld id="{578037B1-EAA9-4C07-85F8-8143634F6E0F}" type="datetimeFigureOut">
               <a:rPr lang="fr-FR" smtClean="0"/>
-              <a:t>03/04/2024</a:t>
+              <a:t>10/04/2024</a:t>
             </a:fld>
             <a:endParaRPr lang="fr-FR"/>
           </a:p>
@@ -1143,7 +1143,7 @@
           <a:p>
             <a:fld id="{578037B1-EAA9-4C07-85F8-8143634F6E0F}" type="datetimeFigureOut">
               <a:rPr lang="fr-FR" smtClean="0"/>
-              <a:t>03/04/2024</a:t>
+              <a:t>10/04/2024</a:t>
             </a:fld>
             <a:endParaRPr lang="fr-FR"/>
           </a:p>
@@ -1408,7 +1408,7 @@
           <a:p>
             <a:fld id="{578037B1-EAA9-4C07-85F8-8143634F6E0F}" type="datetimeFigureOut">
               <a:rPr lang="fr-FR" smtClean="0"/>
-              <a:t>03/04/2024</a:t>
+              <a:t>10/04/2024</a:t>
             </a:fld>
             <a:endParaRPr lang="fr-FR"/>
           </a:p>
@@ -1820,7 +1820,7 @@
           <a:p>
             <a:fld id="{578037B1-EAA9-4C07-85F8-8143634F6E0F}" type="datetimeFigureOut">
               <a:rPr lang="fr-FR" smtClean="0"/>
-              <a:t>03/04/2024</a:t>
+              <a:t>10/04/2024</a:t>
             </a:fld>
             <a:endParaRPr lang="fr-FR"/>
           </a:p>
@@ -1961,7 +1961,7 @@
           <a:p>
             <a:fld id="{578037B1-EAA9-4C07-85F8-8143634F6E0F}" type="datetimeFigureOut">
               <a:rPr lang="fr-FR" smtClean="0"/>
-              <a:t>03/04/2024</a:t>
+              <a:t>10/04/2024</a:t>
             </a:fld>
             <a:endParaRPr lang="fr-FR"/>
           </a:p>
@@ -2074,7 +2074,7 @@
           <a:p>
             <a:fld id="{578037B1-EAA9-4C07-85F8-8143634F6E0F}" type="datetimeFigureOut">
               <a:rPr lang="fr-FR" smtClean="0"/>
-              <a:t>03/04/2024</a:t>
+              <a:t>10/04/2024</a:t>
             </a:fld>
             <a:endParaRPr lang="fr-FR"/>
           </a:p>
@@ -2385,7 +2385,7 @@
           <a:p>
             <a:fld id="{578037B1-EAA9-4C07-85F8-8143634F6E0F}" type="datetimeFigureOut">
               <a:rPr lang="fr-FR" smtClean="0"/>
-              <a:t>03/04/2024</a:t>
+              <a:t>10/04/2024</a:t>
             </a:fld>
             <a:endParaRPr lang="fr-FR"/>
           </a:p>
@@ -2673,7 +2673,7 @@
           <a:p>
             <a:fld id="{578037B1-EAA9-4C07-85F8-8143634F6E0F}" type="datetimeFigureOut">
               <a:rPr lang="fr-FR" smtClean="0"/>
-              <a:t>03/04/2024</a:t>
+              <a:t>10/04/2024</a:t>
             </a:fld>
             <a:endParaRPr lang="fr-FR"/>
           </a:p>
@@ -2914,7 +2914,7 @@
           <a:p>
             <a:fld id="{578037B1-EAA9-4C07-85F8-8143634F6E0F}" type="datetimeFigureOut">
               <a:rPr lang="fr-FR" smtClean="0"/>
-              <a:t>03/04/2024</a:t>
+              <a:t>10/04/2024</a:t>
             </a:fld>
             <a:endParaRPr lang="fr-FR"/>
           </a:p>
@@ -3373,7 +3373,6 @@
               <a:rPr lang="fr-FR"/>
               <a:t>L’utilisation de l’IA dans la cybersécurité</a:t>
             </a:r>
-            <a:endParaRPr lang="fr-FR" dirty="0"/>
           </a:p>
         </p:txBody>
       </p:sp>
@@ -3429,10 +3428,10 @@
           <a:lstStyle/>
           <a:p>
             <a:r>
-              <a:rPr lang="fr-FR" b="1" dirty="0"/>
+              <a:rPr lang="fr-FR" b="1"/>
               <a:t>Introduction :</a:t>
             </a:r>
-            <a:endParaRPr lang="fr-FR" dirty="0"/>
+            <a:endParaRPr lang="fr-FR"/>
           </a:p>
         </p:txBody>
       </p:sp>
@@ -3461,7 +3460,7 @@
               <a:buNone/>
             </a:pPr>
             <a:r>
-              <a:rPr lang="fr-FR" dirty="0"/>
+              <a:rPr lang="fr-FR"/>
               <a:t>L'évolution rapide de l'intelligence artificielle (IA) a des implications notables sur le paysage de la cybersécurité. Cette veille se concentrera sur l’utilisation de  l’IA dans la cybersécurité .</a:t>
             </a:r>
           </a:p>
@@ -3806,11 +3805,67 @@
                   </a:schemeClr>
                 </a:solidFill>
               </a:rPr>
-              <a:t>Sonde réseau </a:t>
-            </a:r>
-          </a:p>
-          <a:p>
-            <a:endParaRPr lang="fr-FR" sz="1600" dirty="0"/>
+              <a:t>Sonde réseau  </a:t>
+            </a:r>
+            <a:r>
+              <a:rPr lang="fr-FR" sz="1200" b="1" dirty="0" err="1">
+                <a:solidFill>
+                  <a:schemeClr val="accent2"/>
+                </a:solidFill>
+              </a:rPr>
+              <a:t>Cybels</a:t>
+            </a:r>
+            <a:r>
+              <a:rPr lang="fr-FR" sz="1200" b="1" dirty="0">
+                <a:solidFill>
+                  <a:schemeClr val="accent2"/>
+                </a:solidFill>
+              </a:rPr>
+              <a:t> </a:t>
+            </a:r>
+            <a:r>
+              <a:rPr lang="fr-FR" sz="1200" b="1" dirty="0" err="1">
+                <a:solidFill>
+                  <a:schemeClr val="accent2"/>
+                </a:solidFill>
+              </a:rPr>
+              <a:t>Sensor</a:t>
+            </a:r>
+            <a:r>
+              <a:rPr lang="fr-FR" sz="1200" b="1" dirty="0">
+                <a:solidFill>
+                  <a:schemeClr val="accent2"/>
+                </a:solidFill>
+              </a:rPr>
+              <a:t> de </a:t>
+            </a:r>
+            <a:r>
+              <a:rPr lang="fr-FR" sz="1200" b="1" dirty="0" err="1">
+                <a:solidFill>
+                  <a:schemeClr val="accent2"/>
+                </a:solidFill>
+              </a:rPr>
+              <a:t>thales</a:t>
+            </a:r>
+            <a:r>
+              <a:rPr lang="fr-FR" sz="1200" b="1" dirty="0">
+                <a:solidFill>
+                  <a:schemeClr val="accent2"/>
+                </a:solidFill>
+              </a:rPr>
+              <a:t> </a:t>
+            </a:r>
+            <a:endParaRPr lang="fr-FR" sz="1800" b="1" dirty="0">
+              <a:solidFill>
+                <a:schemeClr val="accent2"/>
+              </a:solidFill>
+            </a:endParaRPr>
+          </a:p>
+          <a:p>
+            <a:r>
+              <a:rPr lang="fr-FR" sz="1600" dirty="0"/>
+              <a:t>https://cyber.gouv.fr/sites/default/files/document_type/ANSSI-cible-CC-2023-07fr.pdf</a:t>
+            </a:r>
           </a:p>
         </p:txBody>
       </p:sp>
@@ -4291,7 +4346,7 @@
           <a:lstStyle/>
           <a:p>
             <a:r>
-              <a:rPr lang="fr-FR" sz="4200" kern="100" dirty="0">
+              <a:rPr lang="fr-FR" sz="4200" kern="100">
                 <a:effectLst/>
                 <a:latin typeface="Aptos" panose="020B0004020202020204" pitchFamily="34" charset="0"/>
                 <a:ea typeface="Aptos" panose="020B0004020202020204" pitchFamily="34" charset="0"/>
@@ -4302,11 +4357,11 @@
           </a:p>
           <a:p>
             <a:r>
-              <a:rPr lang="fr-FR" sz="4200" dirty="0"/>
+              <a:rPr lang="fr-FR" sz="4200"/>
               <a:t>Exemple : </a:t>
             </a:r>
             <a:r>
-              <a:rPr lang="fr-FR" sz="3400" b="1" i="0" dirty="0">
+              <a:rPr lang="fr-FR" sz="3400" b="1" i="0">
                 <a:solidFill>
                   <a:srgbClr val="F16E00"/>
                 </a:solidFill>
@@ -4316,7 +4371,7 @@
               <a:t>Worm GPT malware </a:t>
             </a:r>
             <a:r>
-              <a:rPr lang="fr-FR" sz="3800" b="1" i="0" dirty="0">
+              <a:rPr lang="fr-FR" sz="3800" b="1" i="0">
                 <a:solidFill>
                   <a:schemeClr val="accent2"/>
                 </a:solidFill>
@@ -4326,7 +4381,7 @@
               <a:t>polymorphe </a:t>
             </a:r>
             <a:r>
-              <a:rPr lang="fr" sz="3800" dirty="0">
+              <a:rPr lang="fr" sz="3800">
                 <a:solidFill>
                   <a:srgbClr val="F96307"/>
                 </a:solidFill>
@@ -4334,7 +4389,7 @@
               <a:t>est un modèle basé sur GPT-J, worm gpt est </a:t>
             </a:r>
             <a:r>
-              <a:rPr lang="fr-FR" sz="4200" b="0" i="0" dirty="0">
+              <a:rPr lang="fr-FR" sz="4200" b="0" i="0">
                 <a:solidFill>
                   <a:srgbClr val="F96307"/>
                 </a:solidFill>
@@ -4344,7 +4399,7 @@
               <a:t>un </a:t>
             </a:r>
             <a:r>
-              <a:rPr lang="fr-FR" sz="4200" b="0" i="0" dirty="0" err="1">
+              <a:rPr lang="fr-FR" sz="4200" b="0" i="0" err="1">
                 <a:solidFill>
                   <a:srgbClr val="F96307"/>
                 </a:solidFill>
@@ -4353,7 +4408,7 @@
               </a:rPr>
               <a:t>chatbot</a:t>
             </a:r>
-            <a:endParaRPr lang="fr-FR" sz="4200" b="0" i="0" dirty="0">
+            <a:endParaRPr lang="fr-FR" sz="4200" b="0" i="0">
               <a:solidFill>
                 <a:srgbClr val="F96307"/>
               </a:solidFill>
@@ -4362,7 +4417,7 @@
             </a:endParaRPr>
           </a:p>
           <a:p>
-            <a:endParaRPr lang="fr-FR" sz="1800" dirty="0">
+            <a:endParaRPr lang="fr-FR" sz="1800">
               <a:solidFill>
                 <a:srgbClr val="F96307"/>
               </a:solidFill>
@@ -4370,7 +4425,7 @@
             </a:endParaRPr>
           </a:p>
           <a:p>
-            <a:endParaRPr lang="fr-FR" sz="1800" b="1" i="0" dirty="0">
+            <a:endParaRPr lang="fr-FR" sz="1800" b="1" i="0">
               <a:solidFill>
                 <a:srgbClr val="F96307"/>
               </a:solidFill>
@@ -4379,7 +4434,7 @@
             </a:endParaRPr>
           </a:p>
           <a:p>
-            <a:endParaRPr lang="fr-FR" sz="1800" b="1" dirty="0">
+            <a:endParaRPr lang="fr-FR" sz="1800" b="1">
               <a:solidFill>
                 <a:srgbClr val="F96307"/>
               </a:solidFill>
@@ -4388,7 +4443,7 @@
           </a:p>
           <a:p>
             <a:r>
-              <a:rPr lang="fr-FR" sz="2800" u="sng" kern="100" dirty="0">
+              <a:rPr lang="fr-FR" sz="2800" u="sng" kern="100">
                 <a:effectLst/>
                 <a:latin typeface="Aptos" panose="020B0004020202020204" pitchFamily="34" charset="0"/>
                 <a:ea typeface="Aptos" panose="020B0004020202020204" pitchFamily="34" charset="0"/>
@@ -4403,7 +4458,7 @@
               </a:rPr>
               <a:t>https://www.orangecyberdefense.com/fr/insights/blog/malware-polymorphe-genere-par-ia-a-quoi-faut-il-sattendre-dans-les-prochains-mois</a:t>
             </a:r>
-            <a:endParaRPr lang="fr-FR" sz="2800" kern="100" dirty="0">
+            <a:endParaRPr lang="fr-FR" sz="2800" kern="100">
               <a:effectLst/>
               <a:latin typeface="Aptos" panose="020B0004020202020204" pitchFamily="34" charset="0"/>
               <a:ea typeface="Aptos" panose="020B0004020202020204" pitchFamily="34" charset="0"/>
@@ -4411,7 +4466,7 @@
             </a:endParaRPr>
           </a:p>
           <a:p>
-            <a:endParaRPr lang="fr-FR" b="1" i="0" dirty="0">
+            <a:endParaRPr lang="fr-FR" b="1" i="0">
               <a:solidFill>
                 <a:srgbClr val="F96307"/>
               </a:solidFill>
@@ -4420,7 +4475,7 @@
             </a:endParaRPr>
           </a:p>
           <a:p>
-            <a:endParaRPr lang="fr-FR" sz="2000" dirty="0"/>
+            <a:endParaRPr lang="fr-FR" sz="2000"/>
           </a:p>
         </p:txBody>
       </p:sp>
@@ -4682,7 +4737,7 @@
           <a:lstStyle/>
           <a:p>
             <a:r>
-              <a:rPr lang="fr-FR" sz="2000" dirty="0"/>
+              <a:rPr lang="fr-FR" sz="2000"/>
               <a:t>La veille sur l’utilisation de l'intelligence artificielle dans le monde de la cybersécurité offre un aperçu des défis actuels et futurs de la cybersécurité. L’utilisation de l’IA est l’avenir de la cybersécurité mes est aussi une très grande menace entre les mains de mauvaises personnes .</a:t>
             </a:r>
           </a:p>
@@ -4690,7 +4745,7 @@
             <a:pPr marL="0" indent="0">
               <a:buNone/>
             </a:pPr>
-            <a:endParaRPr lang="fr-FR" sz="2000" dirty="0"/>
+            <a:endParaRPr lang="fr-FR" sz="2000"/>
           </a:p>
         </p:txBody>
       </p:sp>
@@ -5103,7 +5158,7 @@
           <a:lstStyle/>
           <a:p>
             <a:pPr algn="ctr"/>
-            <a:endParaRPr lang="en-US" dirty="0"/>
+            <a:endParaRPr lang="en-US"/>
           </a:p>
         </p:txBody>
       </p:sp>
@@ -5273,7 +5328,7 @@
           <a:lstStyle/>
           <a:p>
             <a:pPr algn="ctr"/>
-            <a:endParaRPr lang="en-US" dirty="0"/>
+            <a:endParaRPr lang="en-US"/>
           </a:p>
         </p:txBody>
       </p:sp>
@@ -5384,7 +5439,7 @@
           <a:p>
             <a:pPr algn="r"/>
             <a:r>
-              <a:rPr lang="fr-FR" sz="4000" dirty="0">
+              <a:rPr lang="fr-FR" sz="4000">
                 <a:solidFill>
                   <a:srgbClr val="FFFFFF"/>
                 </a:solidFill>
@@ -5448,24 +5503,6 @@
               </a:rPr>
               <a:t>https://www.orangecyberdefense.com/fr/insights/blog/malware-polymorphe-genere-par-ia-a-quoi-faut-il-sattendre-dans-les-prochains-mois</a:t>
             </a:r>
-            <a:endParaRPr lang="fr-FR" sz="2000" u="sng" kern="100" dirty="0">
-              <a:effectLst/>
-              <a:latin typeface="Aptos" panose="020B0004020202020204" pitchFamily="34" charset="0"/>
-              <a:ea typeface="Aptos" panose="020B0004020202020204" pitchFamily="34" charset="0"/>
-              <a:cs typeface="Times New Roman" panose="02020603050405020304" pitchFamily="18" charset="0"/>
-            </a:endParaRPr>
-          </a:p>
-          <a:p>
-            <a:pPr marL="342900" lvl="0" indent="-342900">
-              <a:spcAft>
-                <a:spcPts val="800"/>
-              </a:spcAft>
-              <a:buFont typeface="Arial" panose="020B0604020202020204" pitchFamily="34" charset="0"/>
-              <a:buChar char="•"/>
-              <a:tabLst>
-                <a:tab pos="457200" algn="l"/>
-              </a:tabLst>
-            </a:pPr>
             <a:endParaRPr lang="fr-FR" sz="2000" kern="100" dirty="0">
               <a:effectLst/>
               <a:latin typeface="Aptos" panose="020B0004020202020204" pitchFamily="34" charset="0"/>
@@ -5474,26 +5511,28 @@
             </a:endParaRPr>
           </a:p>
           <a:p>
-            <a:pPr marL="228600">
+            <a:pPr>
               <a:spcAft>
                 <a:spcPts val="800"/>
               </a:spcAft>
             </a:pPr>
             <a:r>
-              <a:rPr lang="fr-FR" sz="2000" kern="100" dirty="0">
+              <a:rPr lang="fr-FR" sz="2000" b="0" i="0" u="none" strike="noStrike" dirty="0">
                 <a:effectLst/>
-                <a:latin typeface="Aptos" panose="020B0004020202020204" pitchFamily="34" charset="0"/>
-                <a:ea typeface="Aptos" panose="020B0004020202020204" pitchFamily="34" charset="0"/>
-                <a:cs typeface="Times New Roman" panose="02020603050405020304" pitchFamily="18" charset="0"/>
+                <a:latin typeface="Roboto" panose="02000000000000000000" pitchFamily="2" charset="0"/>
               </a:rPr>
-              <a:t> </a:t>
-            </a:r>
-            <a:r>
-              <a:rPr lang="fr-FR" sz="2000" u="sng" kern="100" dirty="0">
-                <a:effectLst/>
-                <a:latin typeface="Aptos" panose="020B0004020202020204" pitchFamily="34" charset="0"/>
-                <a:ea typeface="Aptos" panose="020B0004020202020204" pitchFamily="34" charset="0"/>
-                <a:cs typeface="Times New Roman" panose="02020603050405020304" pitchFamily="18" charset="0"/>
+              <a:t>https://rendre-notre-monde-plus-sur.goron.fr/cybersecurite-quel-role-pour-lintelligence-artificielle/</a:t>
+            </a:r>
+            <a:endParaRPr lang="fr-FR" sz="2000" kern="100" dirty="0">
+              <a:effectLst/>
+              <a:latin typeface="Aptos" panose="020B0004020202020204" pitchFamily="34" charset="0"/>
+              <a:ea typeface="Aptos" panose="020B0004020202020204" pitchFamily="34" charset="0"/>
+              <a:cs typeface="Times New Roman" panose="02020603050405020304" pitchFamily="18" charset="0"/>
+            </a:endParaRPr>
+          </a:p>
+          <a:p>
+            <a:r>
+              <a:rPr lang="fr-FR" sz="2000" dirty="0">
                 <a:hlinkClick r:id="rId3">
                   <a:extLst>
                     <a:ext uri="{A12FA001-AC4F-418D-AE19-62706E023703}">
@@ -5502,54 +5541,13 @@
                   </a:extLst>
                 </a:hlinkClick>
               </a:rPr>
-              <a:t>https://www.groupeonepoint.com/fr/nos-publications/intelligence-artificielle-et-cybersecurite-risques-ou-opportunites/</a:t>
-            </a:r>
-            <a:endParaRPr lang="fr-FR" sz="2000" u="sng" kern="100" dirty="0">
-              <a:effectLst/>
-              <a:latin typeface="Aptos" panose="020B0004020202020204" pitchFamily="34" charset="0"/>
-              <a:ea typeface="Aptos" panose="020B0004020202020204" pitchFamily="34" charset="0"/>
-              <a:cs typeface="Times New Roman" panose="02020603050405020304" pitchFamily="18" charset="0"/>
-            </a:endParaRPr>
-          </a:p>
-          <a:p>
-            <a:pPr>
-              <a:spcAft>
-                <a:spcPts val="800"/>
-              </a:spcAft>
-            </a:pPr>
-            <a:r>
-              <a:rPr lang="fr-FR" sz="2000" b="0" i="0" u="none" strike="noStrike" dirty="0">
-                <a:effectLst/>
-                <a:latin typeface="Roboto" panose="02000000000000000000" pitchFamily="2" charset="0"/>
-              </a:rPr>
-              <a:t>https://rendre-notre-monde-plus-sur.goron.fr/cybersecurite-quel-role-pour-lintelligence-artificielle/</a:t>
-            </a:r>
-            <a:endParaRPr lang="fr-FR" sz="2000" kern="100" dirty="0">
-              <a:effectLst/>
-              <a:latin typeface="Aptos" panose="020B0004020202020204" pitchFamily="34" charset="0"/>
-              <a:ea typeface="Aptos" panose="020B0004020202020204" pitchFamily="34" charset="0"/>
-              <a:cs typeface="Times New Roman" panose="02020603050405020304" pitchFamily="18" charset="0"/>
-            </a:endParaRPr>
+              <a:t>https://cyber.gouv.fr/sites/default/files/document_type/ANSSI-cible-CC-2023-07fr.pdf</a:t>
+            </a:r>
           </a:p>
           <a:p>
             <a:r>
               <a:rPr lang="fr-FR" sz="2000" dirty="0">
-                <a:hlinkClick r:id="rId4">
-                  <a:extLst>
-                    <a:ext uri="{A12FA001-AC4F-418D-AE19-62706E023703}">
-                      <ahyp:hlinkClr xmlns:ahyp="http://schemas.microsoft.com/office/drawing/2018/hyperlinkcolor" val="tx"/>
-                    </a:ext>
-                  </a:extLst>
-                </a:hlinkClick>
-              </a:rPr>
-              <a:t>https://france.devoteam.com/paroles-dexperts/lintelligence-artificielle-ia-est-elle-sur-le-point-de-revolutionner-la-cybersecurite/</a:t>
-            </a:r>
-            <a:endParaRPr lang="fr-FR" sz="2000" dirty="0"/>
-          </a:p>
-          <a:p>
-            <a:r>
-              <a:rPr lang="fr-FR" sz="2000" dirty="0">
-                <a:hlinkClick r:id="rId5">
+                <a:hlinkClick r:id="rId3">
                   <a:extLst>
                     <a:ext uri="{A12FA001-AC4F-418D-AE19-62706E023703}">
                       <ahyp:hlinkClr xmlns:ahyp="http://schemas.microsoft.com/office/drawing/2018/hyperlinkcolor" val="tx"/>
@@ -5564,7 +5562,7 @@
           <a:p>
             <a:r>
               <a:rPr lang="fr-FR" sz="2000" dirty="0">
-                <a:hlinkClick r:id="rId6">
+                <a:hlinkClick r:id="rId4">
                   <a:extLst>
                     <a:ext uri="{A12FA001-AC4F-418D-AE19-62706E023703}">
                       <ahyp:hlinkClr xmlns:ahyp="http://schemas.microsoft.com/office/drawing/2018/hyperlinkcolor" val="tx"/>
@@ -5893,20 +5891,24 @@
 </file>
 
 <file path=customXml/item1.xml><?xml version="1.0" encoding="utf-8"?>
-<ct:contentTypeSchema xmlns:ct="http://schemas.microsoft.com/office/2006/metadata/contentType" xmlns:ma="http://schemas.microsoft.com/office/2006/metadata/properties/metaAttributes" ct:_="" ma:_="" ma:contentTypeName="Document" ma:contentTypeID="0x010100C3B3A4F7AF0524468A0122AE5CAC3A63" ma:contentTypeVersion="5" ma:contentTypeDescription="Crée un document." ma:contentTypeScope="" ma:versionID="14943a38f3f75424c2662de040ab2b6f">
-  <xsd:schema xmlns:xsd="http://www.w3.org/2001/XMLSchema" xmlns:xs="http://www.w3.org/2001/XMLSchema" xmlns:p="http://schemas.microsoft.com/office/2006/metadata/properties" xmlns:ns2="07ce9906-2010-497a-a1a4-b77ce3020425" targetNamespace="http://schemas.microsoft.com/office/2006/metadata/properties" ma:root="true" ma:fieldsID="801fbb00e2f7f63a195595bf049f6f31" ns2:_="">
-    <xsd:import namespace="07ce9906-2010-497a-a1a4-b77ce3020425"/>
+<ct:contentTypeSchema xmlns:ct="http://schemas.microsoft.com/office/2006/metadata/contentType" xmlns:ma="http://schemas.microsoft.com/office/2006/metadata/properties/metaAttributes" ct:_="" ma:_="" ma:contentTypeName="Document" ma:contentTypeID="0x0101007FE89C4B2AD59342A280B0856902E88B" ma:contentTypeVersion="8" ma:contentTypeDescription="Crée un document." ma:contentTypeScope="" ma:versionID="e5a9d3f32b331d44668ecf0caa7af935">
+  <xsd:schema xmlns:xsd="http://www.w3.org/2001/XMLSchema" xmlns:xs="http://www.w3.org/2001/XMLSchema" xmlns:p="http://schemas.microsoft.com/office/2006/metadata/properties" xmlns:ns3="be7f9e94-1bcb-4980-aeff-764236dc4050" xmlns:ns4="eec16193-7b46-4917-bbdf-1e7b71eac73a" targetNamespace="http://schemas.microsoft.com/office/2006/metadata/properties" ma:root="true" ma:fieldsID="878661c4f8d82ffb525fafea628a654e" ns3:_="" ns4:_="">
+    <xsd:import namespace="be7f9e94-1bcb-4980-aeff-764236dc4050"/>
+    <xsd:import namespace="eec16193-7b46-4917-bbdf-1e7b71eac73a"/>
     <xsd:element name="properties">
       <xsd:complexType>
         <xsd:sequence>
           <xsd:element name="documentManagement">
             <xsd:complexType>
               <xsd:all>
-                <xsd:element ref="ns2:ReferenceId" minOccurs="0"/>
-                <xsd:element ref="ns2:MediaServiceMetadata" minOccurs="0"/>
-                <xsd:element ref="ns2:MediaServiceFastMetadata" minOccurs="0"/>
-                <xsd:element ref="ns2:MediaServiceObjectDetectorVersions" minOccurs="0"/>
-                <xsd:element ref="ns2:MediaServiceSearchProperties" minOccurs="0"/>
+                <xsd:element ref="ns3:SharedWithUsers" minOccurs="0"/>
+                <xsd:element ref="ns3:SharedWithDetails" minOccurs="0"/>
+                <xsd:element ref="ns3:SharingHintHash" minOccurs="0"/>
+                <xsd:element ref="ns4:MediaServiceMetadata" minOccurs="0"/>
+                <xsd:element ref="ns4:MediaServiceFastMetadata" minOccurs="0"/>
+                <xsd:element ref="ns4:_activity" minOccurs="0"/>
+                <xsd:element ref="ns4:MediaServiceObjectDetectorVersions" minOccurs="0"/>
+                <xsd:element ref="ns4:MediaServiceSearchProperties" minOccurs="0"/>
               </xsd:all>
             </xsd:complexType>
           </xsd:element>
@@ -5914,30 +5916,65 @@
       </xsd:complexType>
     </xsd:element>
   </xsd:schema>
-  <xsd:schema xmlns:xsd="http://www.w3.org/2001/XMLSchema" xmlns:xs="http://www.w3.org/2001/XMLSchema" xmlns:dms="http://schemas.microsoft.com/office/2006/documentManagement/types" xmlns:pc="http://schemas.microsoft.com/office/infopath/2007/PartnerControls" targetNamespace="07ce9906-2010-497a-a1a4-b77ce3020425" elementFormDefault="qualified">
+  <xsd:schema xmlns:xsd="http://www.w3.org/2001/XMLSchema" xmlns:xs="http://www.w3.org/2001/XMLSchema" xmlns:dms="http://schemas.microsoft.com/office/2006/documentManagement/types" xmlns:pc="http://schemas.microsoft.com/office/infopath/2007/PartnerControls" targetNamespace="be7f9e94-1bcb-4980-aeff-764236dc4050" elementFormDefault="qualified">
     <xsd:import namespace="http://schemas.microsoft.com/office/2006/documentManagement/types"/>
     <xsd:import namespace="http://schemas.microsoft.com/office/infopath/2007/PartnerControls"/>
-    <xsd:element name="ReferenceId" ma:index="8" nillable="true" ma:displayName="ReferenceId" ma:indexed="true" ma:internalName="ReferenceId">
+    <xsd:element name="SharedWithUsers" ma:index="8" nillable="true" ma:displayName="Partagé avec" ma:internalName="SharedWithUsers" ma:readOnly="true">
+      <xsd:complexType>
+        <xsd:complexContent>
+          <xsd:extension base="dms:UserMulti">
+            <xsd:sequence>
+              <xsd:element name="UserInfo" minOccurs="0" maxOccurs="unbounded">
+                <xsd:complexType>
+                  <xsd:sequence>
+                    <xsd:element name="DisplayName" type="xsd:string" minOccurs="0"/>
+                    <xsd:element name="AccountId" type="dms:UserId" minOccurs="0" nillable="true"/>
+                    <xsd:element name="AccountType" type="xsd:string" minOccurs="0"/>
+                  </xsd:sequence>
+                </xsd:complexType>
+              </xsd:element>
+            </xsd:sequence>
+          </xsd:extension>
+        </xsd:complexContent>
+      </xsd:complexType>
+    </xsd:element>
+    <xsd:element name="SharedWithDetails" ma:index="9" nillable="true" ma:displayName="Partagé avec détails" ma:internalName="SharedWithDetails" ma:readOnly="true">
+      <xsd:simpleType>
+        <xsd:restriction base="dms:Note">
+          <xsd:maxLength value="255"/>
+        </xsd:restriction>
+      </xsd:simpleType>
+    </xsd:element>
+    <xsd:element name="SharingHintHash" ma:index="10" nillable="true" ma:displayName="Partage du hachage d’indicateur" ma:hidden="true" ma:internalName="SharingHintHash" ma:readOnly="true">
       <xsd:simpleType>
         <xsd:restriction base="dms:Text"/>
       </xsd:simpleType>
     </xsd:element>
-    <xsd:element name="MediaServiceMetadata" ma:index="9" nillable="true" ma:displayName="MediaServiceMetadata" ma:hidden="true" ma:internalName="MediaServiceMetadata" ma:readOnly="true">
+  </xsd:schema>
+  <xsd:schema xmlns:xsd="http://www.w3.org/2001/XMLSchema" xmlns:xs="http://www.w3.org/2001/XMLSchema" xmlns:dms="http://schemas.microsoft.com/office/2006/documentManagement/types" xmlns:pc="http://schemas.microsoft.com/office/infopath/2007/PartnerControls" targetNamespace="eec16193-7b46-4917-bbdf-1e7b71eac73a" elementFormDefault="qualified">
+    <xsd:import namespace="http://schemas.microsoft.com/office/2006/documentManagement/types"/>
+    <xsd:import namespace="http://schemas.microsoft.com/office/infopath/2007/PartnerControls"/>
+    <xsd:element name="MediaServiceMetadata" ma:index="11" nillable="true" ma:displayName="MediaServiceMetadata" ma:hidden="true" ma:internalName="MediaServiceMetadata" ma:readOnly="true">
       <xsd:simpleType>
         <xsd:restriction base="dms:Note"/>
       </xsd:simpleType>
     </xsd:element>
-    <xsd:element name="MediaServiceFastMetadata" ma:index="10" nillable="true" ma:displayName="MediaServiceFastMetadata" ma:hidden="true" ma:internalName="MediaServiceFastMetadata" ma:readOnly="true">
+    <xsd:element name="MediaServiceFastMetadata" ma:index="12" nillable="true" ma:displayName="MediaServiceFastMetadata" ma:hidden="true" ma:internalName="MediaServiceFastMetadata" ma:readOnly="true">
       <xsd:simpleType>
         <xsd:restriction base="dms:Note"/>
       </xsd:simpleType>
     </xsd:element>
-    <xsd:element name="MediaServiceObjectDetectorVersions" ma:index="11" nillable="true" ma:displayName="MediaServiceObjectDetectorVersions" ma:hidden="true" ma:indexed="true" ma:internalName="MediaServiceObjectDetectorVersions" ma:readOnly="true">
+    <xsd:element name="_activity" ma:index="13" nillable="true" ma:displayName="_activity" ma:hidden="true" ma:internalName="_activity">
+      <xsd:simpleType>
+        <xsd:restriction base="dms:Note"/>
+      </xsd:simpleType>
+    </xsd:element>
+    <xsd:element name="MediaServiceObjectDetectorVersions" ma:index="14" nillable="true" ma:displayName="MediaServiceObjectDetectorVersions" ma:hidden="true" ma:indexed="true" ma:internalName="MediaServiceObjectDetectorVersions" ma:readOnly="true">
       <xsd:simpleType>
         <xsd:restriction base="dms:Text"/>
       </xsd:simpleType>
     </xsd:element>
-    <xsd:element name="MediaServiceSearchProperties" ma:index="12" nillable="true" ma:displayName="MediaServiceSearchProperties" ma:hidden="true" ma:internalName="MediaServiceSearchProperties" ma:readOnly="true">
+    <xsd:element name="MediaServiceSearchProperties" ma:index="15" nillable="true" ma:displayName="MediaServiceSearchProperties" ma:hidden="true" ma:internalName="MediaServiceSearchProperties" ma:readOnly="true">
       <xsd:simpleType>
         <xsd:restriction base="dms:Note"/>
       </xsd:simpleType>
@@ -6054,25 +6091,26 @@
 <file path=customXml/item3.xml><?xml version="1.0" encoding="utf-8"?>
 <p:properties xmlns:p="http://schemas.microsoft.com/office/2006/metadata/properties" xmlns:xsi="http://www.w3.org/2001/XMLSchema-instance" xmlns:pc="http://schemas.microsoft.com/office/infopath/2007/PartnerControls">
   <documentManagement>
-    <ReferenceId xmlns="07ce9906-2010-497a-a1a4-b77ce3020425" xsi:nil="true"/>
+    <_activity xmlns="eec16193-7b46-4917-bbdf-1e7b71eac73a" xsi:nil="true"/>
   </documentManagement>
 </p:properties>
 </file>
 
 <file path=customXml/itemProps1.xml><?xml version="1.0" encoding="utf-8"?>
-<ds:datastoreItem xmlns:ds="http://schemas.openxmlformats.org/officeDocument/2006/customXml" ds:itemID="{575D4572-A8E6-4C6D-AD79-24240E0FA69A}">
+<ds:datastoreItem xmlns:ds="http://schemas.openxmlformats.org/officeDocument/2006/customXml" ds:itemID="{3CC3F4CB-32E8-4F79-B4AB-6CA3F106659F}">
   <ds:schemaRefs>
-    <ds:schemaRef ds:uri="http://schemas.microsoft.com/office/2006/metadata/contentType"/>
-    <ds:schemaRef ds:uri="http://schemas.microsoft.com/office/2006/metadata/properties/metaAttributes"/>
-    <ds:schemaRef ds:uri="http://www.w3.org/2001/XMLSchema"/>
-    <ds:schemaRef ds:uri="http://schemas.microsoft.com/office/2006/metadata/properties"/>
-    <ds:schemaRef ds:uri="07ce9906-2010-497a-a1a4-b77ce3020425"/>
-    <ds:schemaRef ds:uri="http://schemas.microsoft.com/office/2006/documentManagement/types"/>
-    <ds:schemaRef ds:uri="http://schemas.microsoft.com/office/infopath/2007/PartnerControls"/>
-    <ds:schemaRef ds:uri="http://schemas.openxmlformats.org/package/2006/metadata/core-properties"/>
+    <ds:schemaRef ds:uri="be7f9e94-1bcb-4980-aeff-764236dc4050"/>
+    <ds:schemaRef ds:uri="eec16193-7b46-4917-bbdf-1e7b71eac73a"/>
     <ds:schemaRef ds:uri="http://purl.org/dc/elements/1.1/"/>
     <ds:schemaRef ds:uri="http://purl.org/dc/terms/"/>
     <ds:schemaRef ds:uri="http://schemas.microsoft.com/internal/obd"/>
+    <ds:schemaRef ds:uri="http://schemas.microsoft.com/office/2006/documentManagement/types"/>
+    <ds:schemaRef ds:uri="http://schemas.microsoft.com/office/2006/metadata/contentType"/>
+    <ds:schemaRef ds:uri="http://schemas.microsoft.com/office/2006/metadata/properties"/>
+    <ds:schemaRef ds:uri="http://schemas.microsoft.com/office/2006/metadata/properties/metaAttributes"/>
+    <ds:schemaRef ds:uri="http://schemas.microsoft.com/office/infopath/2007/PartnerControls"/>
+    <ds:schemaRef ds:uri="http://schemas.openxmlformats.org/package/2006/metadata/core-properties"/>
+    <ds:schemaRef ds:uri="http://www.w3.org/2001/XMLSchema"/>
   </ds:schemaRefs>
 </ds:datastoreItem>
 </file>
@@ -6088,15 +6126,16 @@
 <file path=customXml/itemProps3.xml><?xml version="1.0" encoding="utf-8"?>
 <ds:datastoreItem xmlns:ds="http://schemas.openxmlformats.org/officeDocument/2006/customXml" ds:itemID="{C66D03B4-B2BD-4C21-AF56-7D6BFFAE64E9}">
   <ds:schemaRefs>
+    <ds:schemaRef ds:uri="eec16193-7b46-4917-bbdf-1e7b71eac73a"/>
+    <ds:schemaRef ds:uri="http://schemas.microsoft.com/office/2006/documentManagement/types"/>
+    <ds:schemaRef ds:uri="be7f9e94-1bcb-4980-aeff-764236dc4050"/>
+    <ds:schemaRef ds:uri="http://purl.org/dc/terms/"/>
+    <ds:schemaRef ds:uri="http://schemas.openxmlformats.org/package/2006/metadata/core-properties"/>
+    <ds:schemaRef ds:uri="http://schemas.microsoft.com/office/2006/metadata/properties"/>
+    <ds:schemaRef ds:uri="http://purl.org/dc/elements/1.1/"/>
     <ds:schemaRef ds:uri="http://purl.org/dc/dcmitype/"/>
-    <ds:schemaRef ds:uri="http://schemas.microsoft.com/office/2006/documentManagement/types"/>
-    <ds:schemaRef ds:uri="http://purl.org/dc/elements/1.1/"/>
-    <ds:schemaRef ds:uri="http://schemas.openxmlformats.org/package/2006/metadata/core-properties"/>
+    <ds:schemaRef ds:uri="http://schemas.microsoft.com/office/infopath/2007/PartnerControls"/>
     <ds:schemaRef ds:uri="http://www.w3.org/XML/1998/namespace"/>
-    <ds:schemaRef ds:uri="07ce9906-2010-497a-a1a4-b77ce3020425"/>
-    <ds:schemaRef ds:uri="http://schemas.microsoft.com/office/2006/metadata/properties"/>
-    <ds:schemaRef ds:uri="http://schemas.microsoft.com/office/infopath/2007/PartnerControls"/>
-    <ds:schemaRef ds:uri="http://purl.org/dc/terms/"/>
   </ds:schemaRefs>
 </ds:datastoreItem>
 </file>